--- a/r0-re-doubling.pptx
+++ b/r0-re-doubling.pptx
@@ -118,6 +118,11 @@
       </a:defRPr>
     </a:lvl9pPr>
   </p:defaultTextStyle>
+  <p:extLst>
+    <p:ext uri="{EFAFB233-063F-42B5-8137-9DF3F51BA10A}">
+      <p15:sldGuideLst xmlns:p15="http://schemas.microsoft.com/office/powerpoint/2012/main"/>
+    </p:ext>
+  </p:extLst>
 </p:presentation>
 </file>
 
@@ -203,7 +208,7 @@
           <a:p>
             <a:fld id="{8648D16B-78B9-2D47-BE9D-BD175FAD2D74}" type="datetimeFigureOut">
               <a:rPr lang="en-US" smtClean="0"/>
-              <a:t>3/25/20</a:t>
+              <a:t>3/26/20</a:t>
             </a:fld>
             <a:endParaRPr lang="en-US"/>
           </a:p>
@@ -602,7 +607,7 @@
           <a:p>
             <a:fld id="{4ED788B0-354A-1644-AFF6-C87ADA364466}" type="datetimeFigureOut">
               <a:rPr lang="en-US" smtClean="0"/>
-              <a:t>3/25/20</a:t>
+              <a:t>3/26/20</a:t>
             </a:fld>
             <a:endParaRPr lang="en-US"/>
           </a:p>
@@ -772,7 +777,7 @@
           <a:p>
             <a:fld id="{4ED788B0-354A-1644-AFF6-C87ADA364466}" type="datetimeFigureOut">
               <a:rPr lang="en-US" smtClean="0"/>
-              <a:t>3/25/20</a:t>
+              <a:t>3/26/20</a:t>
             </a:fld>
             <a:endParaRPr lang="en-US"/>
           </a:p>
@@ -952,7 +957,7 @@
           <a:p>
             <a:fld id="{4ED788B0-354A-1644-AFF6-C87ADA364466}" type="datetimeFigureOut">
               <a:rPr lang="en-US" smtClean="0"/>
-              <a:t>3/25/20</a:t>
+              <a:t>3/26/20</a:t>
             </a:fld>
             <a:endParaRPr lang="en-US"/>
           </a:p>
@@ -1122,7 +1127,7 @@
           <a:p>
             <a:fld id="{4ED788B0-354A-1644-AFF6-C87ADA364466}" type="datetimeFigureOut">
               <a:rPr lang="en-US" smtClean="0"/>
-              <a:t>3/25/20</a:t>
+              <a:t>3/26/20</a:t>
             </a:fld>
             <a:endParaRPr lang="en-US"/>
           </a:p>
@@ -1368,7 +1373,7 @@
           <a:p>
             <a:fld id="{4ED788B0-354A-1644-AFF6-C87ADA364466}" type="datetimeFigureOut">
               <a:rPr lang="en-US" smtClean="0"/>
-              <a:t>3/25/20</a:t>
+              <a:t>3/26/20</a:t>
             </a:fld>
             <a:endParaRPr lang="en-US"/>
           </a:p>
@@ -1600,7 +1605,7 @@
           <a:p>
             <a:fld id="{4ED788B0-354A-1644-AFF6-C87ADA364466}" type="datetimeFigureOut">
               <a:rPr lang="en-US" smtClean="0"/>
-              <a:t>3/25/20</a:t>
+              <a:t>3/26/20</a:t>
             </a:fld>
             <a:endParaRPr lang="en-US"/>
           </a:p>
@@ -1967,7 +1972,7 @@
           <a:p>
             <a:fld id="{4ED788B0-354A-1644-AFF6-C87ADA364466}" type="datetimeFigureOut">
               <a:rPr lang="en-US" smtClean="0"/>
-              <a:t>3/25/20</a:t>
+              <a:t>3/26/20</a:t>
             </a:fld>
             <a:endParaRPr lang="en-US"/>
           </a:p>
@@ -2085,7 +2090,7 @@
           <a:p>
             <a:fld id="{4ED788B0-354A-1644-AFF6-C87ADA364466}" type="datetimeFigureOut">
               <a:rPr lang="en-US" smtClean="0"/>
-              <a:t>3/25/20</a:t>
+              <a:t>3/26/20</a:t>
             </a:fld>
             <a:endParaRPr lang="en-US"/>
           </a:p>
@@ -2180,7 +2185,7 @@
           <a:p>
             <a:fld id="{4ED788B0-354A-1644-AFF6-C87ADA364466}" type="datetimeFigureOut">
               <a:rPr lang="en-US" smtClean="0"/>
-              <a:t>3/25/20</a:t>
+              <a:t>3/26/20</a:t>
             </a:fld>
             <a:endParaRPr lang="en-US"/>
           </a:p>
@@ -2457,7 +2462,7 @@
           <a:p>
             <a:fld id="{4ED788B0-354A-1644-AFF6-C87ADA364466}" type="datetimeFigureOut">
               <a:rPr lang="en-US" smtClean="0"/>
-              <a:t>3/25/20</a:t>
+              <a:t>3/26/20</a:t>
             </a:fld>
             <a:endParaRPr lang="en-US"/>
           </a:p>
@@ -2710,7 +2715,7 @@
           <a:p>
             <a:fld id="{4ED788B0-354A-1644-AFF6-C87ADA364466}" type="datetimeFigureOut">
               <a:rPr lang="en-US" smtClean="0"/>
-              <a:t>3/25/20</a:t>
+              <a:t>3/26/20</a:t>
             </a:fld>
             <a:endParaRPr lang="en-US"/>
           </a:p>
@@ -2923,7 +2928,7 @@
           <a:p>
             <a:fld id="{4ED788B0-354A-1644-AFF6-C87ADA364466}" type="datetimeFigureOut">
               <a:rPr lang="en-US" smtClean="0"/>
-              <a:t>3/25/20</a:t>
+              <a:t>3/26/20</a:t>
             </a:fld>
             <a:endParaRPr lang="en-US"/>
           </a:p>
@@ -3369,11 +3374,7 @@
             </a:r>
             <a:r>
               <a:rPr lang="en-US" dirty="0" smtClean="0"/>
-              <a:t>or </a:t>
-            </a:r>
-            <a:r>
-              <a:rPr lang="en-US" dirty="0" smtClean="0"/>
-              <a:t>Doubling-Time:</a:t>
+              <a:t>or Doubling-Time:</a:t>
             </a:r>
             <a:br>
               <a:rPr lang="en-US" dirty="0" smtClean="0"/>
@@ -4626,10 +4627,6 @@
             <a:r>
               <a:rPr lang="en-US" dirty="0" smtClean="0"/>
               <a:t>		(at later times in the epidemic) </a:t>
-            </a:r>
-            <a:r>
-              <a:rPr lang="en-US" dirty="0" smtClean="0"/>
-              <a:t/>
             </a:r>
             <a:br>
               <a:rPr lang="en-US" dirty="0" smtClean="0"/>
@@ -6558,10 +6555,14 @@
           <a:lstStyle/>
           <a:p>
             <a:r>
-              <a:rPr lang="en-US" smtClean="0"/>
-              <a:t>Doubling Time changes</a:t>
-            </a:r>
-            <a:endParaRPr lang="en-US"/>
+              <a:rPr lang="en-US" dirty="0" smtClean="0"/>
+              <a:t>Doubling Time </a:t>
+            </a:r>
+            <a:r>
+              <a:rPr lang="en-US" dirty="0" smtClean="0"/>
+              <a:t>changes during epidemic</a:t>
+            </a:r>
+            <a:endParaRPr lang="en-US" dirty="0"/>
           </a:p>
         </p:txBody>
       </p:sp>
@@ -6589,54 +6590,6 @@
           </a:prstGeom>
         </p:spPr>
       </p:pic>
-      <p:sp>
-        <p:nvSpPr>
-          <p:cNvPr id="5" name="Content Placeholder 2"/>
-          <p:cNvSpPr>
-            <a:spLocks noGrp="1"/>
-          </p:cNvSpPr>
-          <p:nvPr>
-            <p:ph idx="1"/>
-          </p:nvPr>
-        </p:nvSpPr>
-        <p:spPr>
-          <a:xfrm>
-            <a:off x="8086164" y="1825625"/>
-            <a:ext cx="3267635" cy="4351338"/>
-          </a:xfrm>
-        </p:spPr>
-        <p:txBody>
-          <a:bodyPr/>
-          <a:lstStyle/>
-          <a:p>
-            <a:r>
-              <a:rPr lang="en-US" dirty="0" smtClean="0"/>
-              <a:t>Extrapolation</a:t>
-            </a:r>
-          </a:p>
-          <a:p>
-            <a:r>
-              <a:rPr lang="en-US" dirty="0" smtClean="0"/>
-              <a:t>Slope of extrapolated line determines the doubling time</a:t>
-            </a:r>
-          </a:p>
-          <a:p>
-            <a:r>
-              <a:rPr lang="en-US" dirty="0" smtClean="0"/>
-              <a:t>Divide </a:t>
-            </a:r>
-            <a:r>
-              <a:rPr lang="en-US" i="1" dirty="0" smtClean="0"/>
-              <a:t>log 2</a:t>
-            </a:r>
-            <a:r>
-              <a:rPr lang="en-US" dirty="0" smtClean="0"/>
-              <a:t> by the slope to get doubling time</a:t>
-            </a:r>
-            <a:endParaRPr lang="en-US" dirty="0"/>
-          </a:p>
-        </p:txBody>
-      </p:sp>
       <p:cxnSp>
         <p:nvCxnSpPr>
           <p:cNvPr id="6" name="Straight Connector 5"/>
@@ -6695,8 +6648,16 @@
           </a:p>
           <a:p>
             <a:r>
+              <a:rPr lang="en-US" b="1" dirty="0"/>
+              <a:t>i</a:t>
+            </a:r>
+            <a:r>
               <a:rPr lang="en-US" b="1" dirty="0" smtClean="0"/>
-              <a:t>Is 1.9 days in</a:t>
+              <a:t>s </a:t>
+            </a:r>
+            <a:r>
+              <a:rPr lang="en-US" b="1" dirty="0" smtClean="0"/>
+              <a:t>1.9 days in</a:t>
             </a:r>
           </a:p>
           <a:p>
@@ -6739,20 +6700,44 @@
           </a:p>
           <a:p>
             <a:r>
+              <a:rPr lang="en-US" b="1" dirty="0"/>
+              <a:t>i</a:t>
+            </a:r>
+            <a:r>
               <a:rPr lang="en-US" b="1" dirty="0" smtClean="0"/>
-              <a:t>Is 3.4 days later</a:t>
-            </a:r>
-          </a:p>
-          <a:p>
+              <a:t>s </a:t>
+            </a:r>
             <a:r>
               <a:rPr lang="en-US" b="1" dirty="0" smtClean="0"/>
-              <a:t>In March – epidemic</a:t>
-            </a:r>
-          </a:p>
-          <a:p>
+              <a:t>3.4 days later</a:t>
+            </a:r>
+          </a:p>
+          <a:p>
+            <a:r>
+              <a:rPr lang="en-US" b="1" dirty="0"/>
+              <a:t>i</a:t>
+            </a:r>
             <a:r>
               <a:rPr lang="en-US" b="1" dirty="0" smtClean="0"/>
-              <a:t>Is growing more</a:t>
+              <a:t>n </a:t>
+            </a:r>
+            <a:r>
+              <a:rPr lang="en-US" b="1" dirty="0" smtClean="0"/>
+              <a:t>March – epidemic</a:t>
+            </a:r>
+          </a:p>
+          <a:p>
+            <a:r>
+              <a:rPr lang="en-US" b="1" dirty="0"/>
+              <a:t>i</a:t>
+            </a:r>
+            <a:r>
+              <a:rPr lang="en-US" b="1" dirty="0" smtClean="0"/>
+              <a:t>s </a:t>
+            </a:r>
+            <a:r>
+              <a:rPr lang="en-US" b="1" dirty="0" smtClean="0"/>
+              <a:t>growing more</a:t>
             </a:r>
           </a:p>
           <a:p>
